--- a/Apresentação/Apresentação-Projeto-Individual.pptx
+++ b/Apresentação/Apresentação-Projeto-Individual.pptx
@@ -9,13 +9,14 @@
     <p:sldId id="257" r:id="rId3"/>
     <p:sldId id="258" r:id="rId4"/>
     <p:sldId id="260" r:id="rId5"/>
-    <p:sldId id="262" r:id="rId6"/>
-    <p:sldId id="263" r:id="rId7"/>
-    <p:sldId id="265" r:id="rId8"/>
-    <p:sldId id="266" r:id="rId9"/>
-    <p:sldId id="267" r:id="rId10"/>
-    <p:sldId id="264" r:id="rId11"/>
-    <p:sldId id="268" r:id="rId12"/>
+    <p:sldId id="269" r:id="rId6"/>
+    <p:sldId id="262" r:id="rId7"/>
+    <p:sldId id="263" r:id="rId8"/>
+    <p:sldId id="265" r:id="rId9"/>
+    <p:sldId id="266" r:id="rId10"/>
+    <p:sldId id="267" r:id="rId11"/>
+    <p:sldId id="264" r:id="rId12"/>
+    <p:sldId id="268" r:id="rId13"/>
   </p:sldIdLst>
   <p:sldSz cx="12192000" cy="6858000"/>
   <p:notesSz cx="6858000" cy="9144000"/>
@@ -126,6 +127,7 @@
 <p1510:revInfo xmlns:a="http://schemas.openxmlformats.org/drawingml/2006/main" xmlns:r="http://schemas.openxmlformats.org/officeDocument/2006/relationships" xmlns:p1510="http://schemas.microsoft.com/office/powerpoint/2015/10/main">
   <p1510:revLst>
     <p1510:client id="{CA9051E2-C4F8-7D48-C7A6-2BAB358E24CA}" v="998" dt="2024-11-25T03:39:05.646"/>
+    <p1510:client id="{EF10F0D3-D4A0-B072-28B0-716205EB1BD5}" v="419" dt="2024-11-26T14:49:58.244"/>
     <p1510:client id="{FDB6FA36-83CD-F8AF-051E-99F0EC3CE74F}" v="392" dt="2024-11-26T04:44:50.456"/>
   </p1510:revLst>
 </p1510:revInfo>
@@ -262,7 +264,7 @@
           <a:p>
             <a:fld id="{F0E51C7C-CEA3-4CAA-BE4B-344879E7C377}" type="datetimeFigureOut">
               <a:rPr lang="de-DE" smtClean="0"/>
-              <a:t>25.11.2024</a:t>
+              <a:t>26.11.2024</a:t>
             </a:fld>
             <a:endParaRPr lang="de-DE"/>
           </a:p>
@@ -432,7 +434,7 @@
           <a:p>
             <a:fld id="{F0E51C7C-CEA3-4CAA-BE4B-344879E7C377}" type="datetimeFigureOut">
               <a:rPr lang="de-DE" smtClean="0"/>
-              <a:t>25.11.2024</a:t>
+              <a:t>26.11.2024</a:t>
             </a:fld>
             <a:endParaRPr lang="de-DE"/>
           </a:p>
@@ -612,7 +614,7 @@
           <a:p>
             <a:fld id="{F0E51C7C-CEA3-4CAA-BE4B-344879E7C377}" type="datetimeFigureOut">
               <a:rPr lang="de-DE" smtClean="0"/>
-              <a:t>25.11.2024</a:t>
+              <a:t>26.11.2024</a:t>
             </a:fld>
             <a:endParaRPr lang="de-DE"/>
           </a:p>
@@ -782,7 +784,7 @@
           <a:p>
             <a:fld id="{F0E51C7C-CEA3-4CAA-BE4B-344879E7C377}" type="datetimeFigureOut">
               <a:rPr lang="de-DE" smtClean="0"/>
-              <a:t>25.11.2024</a:t>
+              <a:t>26.11.2024</a:t>
             </a:fld>
             <a:endParaRPr lang="de-DE"/>
           </a:p>
@@ -1028,7 +1030,7 @@
           <a:p>
             <a:fld id="{F0E51C7C-CEA3-4CAA-BE4B-344879E7C377}" type="datetimeFigureOut">
               <a:rPr lang="de-DE" smtClean="0"/>
-              <a:t>25.11.2024</a:t>
+              <a:t>26.11.2024</a:t>
             </a:fld>
             <a:endParaRPr lang="de-DE"/>
           </a:p>
@@ -1260,7 +1262,7 @@
           <a:p>
             <a:fld id="{F0E51C7C-CEA3-4CAA-BE4B-344879E7C377}" type="datetimeFigureOut">
               <a:rPr lang="de-DE" smtClean="0"/>
-              <a:t>25.11.2024</a:t>
+              <a:t>26.11.2024</a:t>
             </a:fld>
             <a:endParaRPr lang="de-DE"/>
           </a:p>
@@ -1627,7 +1629,7 @@
           <a:p>
             <a:fld id="{F0E51C7C-CEA3-4CAA-BE4B-344879E7C377}" type="datetimeFigureOut">
               <a:rPr lang="de-DE" smtClean="0"/>
-              <a:t>25.11.2024</a:t>
+              <a:t>26.11.2024</a:t>
             </a:fld>
             <a:endParaRPr lang="de-DE"/>
           </a:p>
@@ -1745,7 +1747,7 @@
           <a:p>
             <a:fld id="{F0E51C7C-CEA3-4CAA-BE4B-344879E7C377}" type="datetimeFigureOut">
               <a:rPr lang="de-DE" smtClean="0"/>
-              <a:t>25.11.2024</a:t>
+              <a:t>26.11.2024</a:t>
             </a:fld>
             <a:endParaRPr lang="de-DE"/>
           </a:p>
@@ -1840,7 +1842,7 @@
           <a:p>
             <a:fld id="{F0E51C7C-CEA3-4CAA-BE4B-344879E7C377}" type="datetimeFigureOut">
               <a:rPr lang="de-DE" smtClean="0"/>
-              <a:t>25.11.2024</a:t>
+              <a:t>26.11.2024</a:t>
             </a:fld>
             <a:endParaRPr lang="de-DE"/>
           </a:p>
@@ -2117,7 +2119,7 @@
           <a:p>
             <a:fld id="{F0E51C7C-CEA3-4CAA-BE4B-344879E7C377}" type="datetimeFigureOut">
               <a:rPr lang="de-DE" smtClean="0"/>
-              <a:t>25.11.2024</a:t>
+              <a:t>26.11.2024</a:t>
             </a:fld>
             <a:endParaRPr lang="de-DE"/>
           </a:p>
@@ -2370,7 +2372,7 @@
           <a:p>
             <a:fld id="{F0E51C7C-CEA3-4CAA-BE4B-344879E7C377}" type="datetimeFigureOut">
               <a:rPr lang="de-DE" smtClean="0"/>
-              <a:t>25.11.2024</a:t>
+              <a:t>26.11.2024</a:t>
             </a:fld>
             <a:endParaRPr lang="de-DE"/>
           </a:p>
@@ -2583,7 +2585,7 @@
           <a:p>
             <a:fld id="{F0E51C7C-CEA3-4CAA-BE4B-344879E7C377}" type="datetimeFigureOut">
               <a:rPr lang="de-DE" smtClean="0"/>
-              <a:t>25.11.2024</a:t>
+              <a:t>26.11.2024</a:t>
             </a:fld>
             <a:endParaRPr lang="de-DE"/>
           </a:p>
@@ -3085,6 +3087,88 @@
           </a:prstGeom>
         </p:spPr>
       </p:pic>
+      <p:sp>
+        <p:nvSpPr>
+          <p:cNvPr id="3" name="CaixaDeTexto 2">
+            <a:extLst>
+              <a:ext uri="{FF2B5EF4-FFF2-40B4-BE49-F238E27FC236}">
+                <a16:creationId xmlns:a16="http://schemas.microsoft.com/office/drawing/2014/main" id="{0D64084F-B3C1-AF05-133A-67CD44F8537D}"/>
+              </a:ext>
+            </a:extLst>
+          </p:cNvPr>
+          <p:cNvSpPr txBox="1"/>
+          <p:nvPr/>
+        </p:nvSpPr>
+        <p:spPr>
+          <a:xfrm>
+            <a:off x="285750" y="5592535"/>
+            <a:ext cx="3649254" cy="1077218"/>
+          </a:xfrm>
+          <a:prstGeom prst="rect">
+            <a:avLst/>
+          </a:prstGeom>
+          <a:noFill/>
+        </p:spPr>
+        <p:txBody>
+          <a:bodyPr rot="0" spcFirstLastPara="0" vertOverflow="overflow" horzOverflow="overflow" vert="horz" wrap="square" lIns="91440" tIns="45720" rIns="91440" bIns="45720" numCol="1" spcCol="0" rtlCol="0" fromWordArt="0" anchor="t" anchorCtr="0" forceAA="0" compatLnSpc="1">
+            <a:prstTxWarp prst="textNoShape">
+              <a:avLst/>
+            </a:prstTxWarp>
+            <a:spAutoFit/>
+          </a:bodyPr>
+          <a:lstStyle/>
+          <a:p>
+            <a:r>
+              <a:rPr lang="pt-BR" sz="2000" dirty="0">
+                <a:solidFill>
+                  <a:schemeClr val="bg1"/>
+                </a:solidFill>
+                <a:latin typeface="Berlin Sans FB"/>
+                <a:ea typeface="Calibri"/>
+                <a:cs typeface="Calibri"/>
+              </a:rPr>
+              <a:t>Giovanni Silva Torres Amante</a:t>
+            </a:r>
+          </a:p>
+          <a:p>
+            <a:r>
+              <a:rPr lang="pt-BR" sz="2000" dirty="0">
+                <a:solidFill>
+                  <a:schemeClr val="bg1"/>
+                </a:solidFill>
+                <a:latin typeface="Berlin Sans FB"/>
+                <a:ea typeface="Calibri"/>
+                <a:cs typeface="Calibri"/>
+              </a:rPr>
+              <a:t>RA: 01242103</a:t>
+            </a:r>
+          </a:p>
+          <a:p>
+            <a:r>
+              <a:rPr lang="pt-BR" sz="2400" dirty="0">
+                <a:solidFill>
+                  <a:schemeClr val="bg1"/>
+                </a:solidFill>
+                <a:latin typeface="Berlin Sans FB"/>
+                <a:ea typeface="Calibri"/>
+                <a:cs typeface="Calibri"/>
+              </a:rPr>
+              <a:t>1</a:t>
+            </a:r>
+            <a:r>
+              <a:rPr lang="pt-BR" sz="2000" dirty="0">
+                <a:solidFill>
+                  <a:schemeClr val="bg1"/>
+                </a:solidFill>
+                <a:latin typeface="Berlin Sans FB"/>
+                <a:ea typeface="Calibri"/>
+                <a:cs typeface="Calibri"/>
+              </a:rPr>
+              <a:t>ADSA</a:t>
+            </a:r>
+          </a:p>
+        </p:txBody>
+      </p:sp>
     </p:spTree>
     <p:extLst>
       <p:ext uri="{BB962C8B-B14F-4D97-AF65-F5344CB8AC3E}">
@@ -3223,6 +3307,79 @@
                                   </p:childTnLst>
                                 </p:cTn>
                               </p:par>
+                              <p:par>
+                                <p:cTn id="12" presetID="2" presetClass="entr" presetSubtype="4" fill="hold" grpId="0" nodeType="withEffect">
+                                  <p:stCondLst>
+                                    <p:cond delay="0"/>
+                                  </p:stCondLst>
+                                  <p:childTnLst>
+                                    <p:set>
+                                      <p:cBhvr>
+                                        <p:cTn id="13" dur="1" fill="hold">
+                                          <p:stCondLst>
+                                            <p:cond delay="0"/>
+                                          </p:stCondLst>
+                                        </p:cTn>
+                                        <p:tgtEl>
+                                          <p:spTgt spid="3"/>
+                                        </p:tgtEl>
+                                        <p:attrNameLst>
+                                          <p:attrName>style.visibility</p:attrName>
+                                        </p:attrNameLst>
+                                      </p:cBhvr>
+                                      <p:to>
+                                        <p:strVal val="visible"/>
+                                      </p:to>
+                                    </p:set>
+                                    <p:anim calcmode="lin" valueType="num">
+                                      <p:cBhvr additive="base">
+                                        <p:cTn id="14" dur="500" fill="hold"/>
+                                        <p:tgtEl>
+                                          <p:spTgt spid="3"/>
+                                        </p:tgtEl>
+                                        <p:attrNameLst>
+                                          <p:attrName>ppt_x</p:attrName>
+                                        </p:attrNameLst>
+                                      </p:cBhvr>
+                                      <p:tavLst>
+                                        <p:tav tm="0">
+                                          <p:val>
+                                            <p:strVal val="#ppt_x"/>
+                                          </p:val>
+                                        </p:tav>
+                                        <p:tav tm="100000">
+                                          <p:val>
+                                            <p:strVal val="#ppt_x"/>
+                                          </p:val>
+                                        </p:tav>
+                                      </p:tavLst>
+                                    </p:anim>
+                                    <p:anim calcmode="lin" valueType="num">
+                                      <p:cBhvr additive="base">
+                                        <p:cTn id="15" dur="500" fill="hold"/>
+                                        <p:tgtEl>
+                                          <p:spTgt spid="3"/>
+                                        </p:tgtEl>
+                                        <p:attrNameLst>
+                                          <p:attrName>ppt_y</p:attrName>
+                                        </p:attrNameLst>
+                                      </p:cBhvr>
+                                      <p:tavLst>
+                                        <p:tav tm="0">
+                                          <p:val>
+                                            <p:strVal val="1+#ppt_h/2"/>
+                                          </p:val>
+                                        </p:tav>
+                                        <p:tav tm="100000">
+                                          <p:val>
+                                            <p:strVal val="#ppt_y"/>
+                                          </p:val>
+                                        </p:tav>
+                                      </p:tavLst>
+                                    </p:anim>
+                                  </p:childTnLst>
+                                </p:cTn>
+                              </p:par>
                             </p:childTnLst>
                           </p:cTn>
                         </p:par>
@@ -3252,12 +3409,249 @@
     </p:tnLst>
     <p:bldLst>
       <p:bldP spid="2" grpId="0"/>
+      <p:bldP spid="3" grpId="0"/>
     </p:bldLst>
   </p:timing>
 </p:sld>
 </file>
 
 <file path=ppt/slides/slide10.xml><?xml version="1.0" encoding="utf-8"?>
+<p:sld xmlns:a="http://schemas.openxmlformats.org/drawingml/2006/main" xmlns:r="http://schemas.openxmlformats.org/officeDocument/2006/relationships" xmlns:p="http://schemas.openxmlformats.org/presentationml/2006/main">
+  <p:cSld>
+    <p:bg>
+      <p:bgPr>
+        <a:blipFill>
+          <a:blip r:embed="rId2"/>
+          <a:stretch>
+            <a:fillRect t="-9000" b="-9000"/>
+          </a:stretch>
+        </a:blipFill>
+        <a:effectLst/>
+      </p:bgPr>
+    </p:bg>
+    <p:spTree>
+      <p:nvGrpSpPr>
+        <p:cNvPr id="1" name=""/>
+        <p:cNvGrpSpPr/>
+        <p:nvPr/>
+      </p:nvGrpSpPr>
+      <p:grpSpPr>
+        <a:xfrm>
+          <a:off x="0" y="0"/>
+          <a:ext cx="0" cy="0"/>
+          <a:chOff x="0" y="0"/>
+          <a:chExt cx="0" cy="0"/>
+        </a:xfrm>
+      </p:grpSpPr>
+      <p:sp>
+        <p:nvSpPr>
+          <p:cNvPr id="18" name="Título 17">
+            <a:extLst>
+              <a:ext uri="{FF2B5EF4-FFF2-40B4-BE49-F238E27FC236}">
+                <a16:creationId xmlns:a16="http://schemas.microsoft.com/office/drawing/2014/main" id="{9264A540-32CC-15FC-A1C7-6FDA6F1ADB00}"/>
+              </a:ext>
+            </a:extLst>
+          </p:cNvPr>
+          <p:cNvSpPr>
+            <a:spLocks noGrp="1"/>
+          </p:cNvSpPr>
+          <p:nvPr>
+            <p:ph type="title"/>
+          </p:nvPr>
+        </p:nvSpPr>
+        <p:spPr>
+          <a:xfrm>
+            <a:off x="838200" y="166796"/>
+            <a:ext cx="10515600" cy="1325563"/>
+          </a:xfrm>
+        </p:spPr>
+        <p:txBody>
+          <a:bodyPr/>
+          <a:lstStyle/>
+          <a:p>
+            <a:pPr algn="ctr"/>
+            <a:r>
+              <a:rPr lang="pt-BR" sz="3600" b="1" dirty="0">
+                <a:solidFill>
+                  <a:srgbClr val="16D9CC"/>
+                </a:solidFill>
+                <a:latin typeface="Comic Sans MS"/>
+              </a:rPr>
+              <a:t>Tabelas MySQL e Modelagem</a:t>
+            </a:r>
+            <a:endParaRPr lang="pt-BR" sz="3600" b="1">
+              <a:latin typeface="Comic Sans MS"/>
+            </a:endParaRPr>
+          </a:p>
+        </p:txBody>
+      </p:sp>
+      <p:pic>
+        <p:nvPicPr>
+          <p:cNvPr id="2" name="Imagem 1" descr="Texto, Carta&#10;&#10;Descrição gerada automaticamente">
+            <a:extLst>
+              <a:ext uri="{FF2B5EF4-FFF2-40B4-BE49-F238E27FC236}">
+                <a16:creationId xmlns:a16="http://schemas.microsoft.com/office/drawing/2014/main" id="{A38E58D7-211D-D166-7F03-7FCC003E0D58}"/>
+              </a:ext>
+            </a:extLst>
+          </p:cNvPr>
+          <p:cNvPicPr>
+            <a:picLocks noChangeAspect="1"/>
+          </p:cNvPicPr>
+          <p:nvPr/>
+        </p:nvPicPr>
+        <p:blipFill>
+          <a:blip r:embed="rId3"/>
+          <a:stretch>
+            <a:fillRect/>
+          </a:stretch>
+        </p:blipFill>
+        <p:spPr>
+          <a:xfrm>
+            <a:off x="5031288" y="1488849"/>
+            <a:ext cx="6096000" cy="2001398"/>
+          </a:xfrm>
+          <a:prstGeom prst="rect">
+            <a:avLst/>
+          </a:prstGeom>
+        </p:spPr>
+      </p:pic>
+      <p:pic>
+        <p:nvPicPr>
+          <p:cNvPr id="3" name="Imagem 2" descr="Diagrama&#10;&#10;Descrição gerada automaticamente">
+            <a:extLst>
+              <a:ext uri="{FF2B5EF4-FFF2-40B4-BE49-F238E27FC236}">
+                <a16:creationId xmlns:a16="http://schemas.microsoft.com/office/drawing/2014/main" id="{4A8993B8-317C-D2FD-69CF-A11A7152BCCB}"/>
+              </a:ext>
+            </a:extLst>
+          </p:cNvPr>
+          <p:cNvPicPr>
+            <a:picLocks noChangeAspect="1"/>
+          </p:cNvPicPr>
+          <p:nvPr/>
+        </p:nvPicPr>
+        <p:blipFill>
+          <a:blip r:embed="rId4"/>
+          <a:stretch>
+            <a:fillRect/>
+          </a:stretch>
+        </p:blipFill>
+        <p:spPr>
+          <a:xfrm>
+            <a:off x="5169596" y="3683513"/>
+            <a:ext cx="6931068" cy="1998361"/>
+          </a:xfrm>
+          <a:prstGeom prst="rect">
+            <a:avLst/>
+          </a:prstGeom>
+        </p:spPr>
+      </p:pic>
+      <p:pic>
+        <p:nvPicPr>
+          <p:cNvPr id="5" name="Imagem 4">
+            <a:extLst>
+              <a:ext uri="{FF2B5EF4-FFF2-40B4-BE49-F238E27FC236}">
+                <a16:creationId xmlns:a16="http://schemas.microsoft.com/office/drawing/2014/main" id="{E2A0B100-83EC-6567-04FB-28A9A307CC65}"/>
+              </a:ext>
+            </a:extLst>
+          </p:cNvPr>
+          <p:cNvPicPr>
+            <a:picLocks noChangeAspect="1"/>
+          </p:cNvPicPr>
+          <p:nvPr/>
+        </p:nvPicPr>
+        <p:blipFill>
+          <a:blip r:embed="rId5"/>
+          <a:stretch>
+            <a:fillRect/>
+          </a:stretch>
+        </p:blipFill>
+        <p:spPr>
+          <a:xfrm>
+            <a:off x="1101246" y="3195520"/>
+            <a:ext cx="3524250" cy="838200"/>
+          </a:xfrm>
+          <a:prstGeom prst="rect">
+            <a:avLst/>
+          </a:prstGeom>
+        </p:spPr>
+      </p:pic>
+      <p:pic>
+        <p:nvPicPr>
+          <p:cNvPr id="6" name="Imagem 5" descr="Texto&#10;&#10;Descrição gerada automaticamente">
+            <a:extLst>
+              <a:ext uri="{FF2B5EF4-FFF2-40B4-BE49-F238E27FC236}">
+                <a16:creationId xmlns:a16="http://schemas.microsoft.com/office/drawing/2014/main" id="{BC0461C6-C0D5-937E-32FA-E1D61AA8D719}"/>
+              </a:ext>
+            </a:extLst>
+          </p:cNvPr>
+          <p:cNvPicPr>
+            <a:picLocks noChangeAspect="1"/>
+          </p:cNvPicPr>
+          <p:nvPr/>
+        </p:nvPicPr>
+        <p:blipFill>
+          <a:blip r:embed="rId6"/>
+          <a:stretch>
+            <a:fillRect/>
+          </a:stretch>
+        </p:blipFill>
+        <p:spPr>
+          <a:xfrm>
+            <a:off x="446240" y="4419417"/>
+            <a:ext cx="4581525" cy="1495425"/>
+          </a:xfrm>
+          <a:prstGeom prst="rect">
+            <a:avLst/>
+          </a:prstGeom>
+        </p:spPr>
+      </p:pic>
+      <p:pic>
+        <p:nvPicPr>
+          <p:cNvPr id="7" name="Imagem 6" descr="Interface gráfica do usuário, Texto&#10;&#10;Descrição gerada automaticamente">
+            <a:extLst>
+              <a:ext uri="{FF2B5EF4-FFF2-40B4-BE49-F238E27FC236}">
+                <a16:creationId xmlns:a16="http://schemas.microsoft.com/office/drawing/2014/main" id="{A156C7C0-28D8-74FC-0383-D2114FCC58CC}"/>
+              </a:ext>
+            </a:extLst>
+          </p:cNvPr>
+          <p:cNvPicPr>
+            <a:picLocks noChangeAspect="1"/>
+          </p:cNvPicPr>
+          <p:nvPr/>
+        </p:nvPicPr>
+        <p:blipFill>
+          <a:blip r:embed="rId7"/>
+          <a:stretch>
+            <a:fillRect/>
+          </a:stretch>
+        </p:blipFill>
+        <p:spPr>
+          <a:xfrm>
+            <a:off x="448849" y="1415780"/>
+            <a:ext cx="3829050" cy="1400175"/>
+          </a:xfrm>
+          <a:prstGeom prst="rect">
+            <a:avLst/>
+          </a:prstGeom>
+        </p:spPr>
+      </p:pic>
+    </p:spTree>
+    <p:extLst>
+      <p:ext uri="{BB962C8B-B14F-4D97-AF65-F5344CB8AC3E}">
+        <p14:creationId xmlns:p14="http://schemas.microsoft.com/office/powerpoint/2010/main" val="3797814157"/>
+      </p:ext>
+    </p:extLst>
+  </p:cSld>
+  <p:clrMapOvr>
+    <a:masterClrMapping/>
+  </p:clrMapOvr>
+  <p:transition spd="slow">
+    <p:push dir="u"/>
+  </p:transition>
+</p:sld>
+</file>
+
+<file path=ppt/slides/slide11.xml><?xml version="1.0" encoding="utf-8"?>
 <p:sld xmlns:a="http://schemas.openxmlformats.org/drawingml/2006/main" xmlns:r="http://schemas.openxmlformats.org/officeDocument/2006/relationships" xmlns:p="http://schemas.openxmlformats.org/presentationml/2006/main">
   <p:cSld>
     <p:bg>
@@ -3726,7 +4120,7 @@
 </p:sld>
 </file>
 
-<file path=ppt/slides/slide11.xml><?xml version="1.0" encoding="utf-8"?>
+<file path=ppt/slides/slide12.xml><?xml version="1.0" encoding="utf-8"?>
 <p:sld xmlns:a="http://schemas.openxmlformats.org/drawingml/2006/main" xmlns:r="http://schemas.openxmlformats.org/officeDocument/2006/relationships" xmlns:p="http://schemas.openxmlformats.org/presentationml/2006/main">
   <p:cSld>
     <p:bg>
@@ -8315,6 +8709,290 @@
   <p:cSld>
     <p:bg>
       <p:bgPr>
+        <a:blipFill>
+          <a:blip r:embed="rId2"/>
+          <a:stretch>
+            <a:fillRect/>
+          </a:stretch>
+        </a:blipFill>
+        <a:effectLst/>
+      </p:bgPr>
+    </p:bg>
+    <p:spTree>
+      <p:nvGrpSpPr>
+        <p:cNvPr id="1" name=""/>
+        <p:cNvGrpSpPr/>
+        <p:nvPr/>
+      </p:nvGrpSpPr>
+      <p:grpSpPr>
+        <a:xfrm>
+          <a:off x="0" y="0"/>
+          <a:ext cx="0" cy="0"/>
+          <a:chOff x="0" y="0"/>
+          <a:chExt cx="0" cy="0"/>
+        </a:xfrm>
+      </p:grpSpPr>
+      <p:sp>
+        <p:nvSpPr>
+          <p:cNvPr id="8" name="Rectangle 7">
+            <a:extLst>
+              <a:ext uri="{FF2B5EF4-FFF2-40B4-BE49-F238E27FC236}">
+                <a16:creationId xmlns:a16="http://schemas.microsoft.com/office/drawing/2014/main" id="{70DFC902-7D23-471A-B557-B6B6917D7A0D}"/>
+              </a:ext>
+              <a:ext uri="{C183D7F6-B498-43B3-948B-1728B52AA6E4}">
+                <adec:decorative xmlns:adec="http://schemas.microsoft.com/office/drawing/2017/decorative" val="1"/>
+              </a:ext>
+            </a:extLst>
+          </p:cNvPr>
+          <p:cNvSpPr>
+            <a:spLocks noGrp="1" noRot="1" noChangeAspect="1" noMove="1" noResize="1" noEditPoints="1" noAdjustHandles="1" noChangeArrowheads="1" noChangeShapeType="1" noTextEdit="1"/>
+          </p:cNvSpPr>
+          <p:nvPr>
+            <p:extLst>
+              <p:ext uri="{386F3935-93C4-4BCD-93E2-E3B085C9AB24}">
+                <p16:designElem xmlns:p16="http://schemas.microsoft.com/office/powerpoint/2015/main" val="1"/>
+              </p:ext>
+            </p:extLst>
+          </p:nvPr>
+        </p:nvSpPr>
+        <p:spPr>
+          <a:xfrm>
+            <a:off x="10" y="-5705"/>
+            <a:ext cx="12191990" cy="1694346"/>
+          </a:xfrm>
+          <a:prstGeom prst="rect">
+            <a:avLst/>
+          </a:prstGeom>
+          <a:solidFill>
+            <a:srgbClr val="7030A0"/>
+          </a:solidFill>
+          <a:ln>
+            <a:noFill/>
+          </a:ln>
+        </p:spPr>
+        <p:style>
+          <a:lnRef idx="2">
+            <a:schemeClr val="accent1">
+              <a:shade val="50000"/>
+            </a:schemeClr>
+          </a:lnRef>
+          <a:fillRef idx="1">
+            <a:schemeClr val="accent1"/>
+          </a:fillRef>
+          <a:effectRef idx="0">
+            <a:schemeClr val="accent1"/>
+          </a:effectRef>
+          <a:fontRef idx="minor">
+            <a:schemeClr val="lt1"/>
+          </a:fontRef>
+        </p:style>
+        <p:txBody>
+          <a:bodyPr rtlCol="0" anchor="ctr"/>
+          <a:lstStyle/>
+          <a:p>
+            <a:pPr algn="ctr"/>
+            <a:endParaRPr lang="en-US"/>
+          </a:p>
+        </p:txBody>
+      </p:sp>
+      <p:sp>
+        <p:nvSpPr>
+          <p:cNvPr id="2" name="Título 1">
+            <a:extLst>
+              <a:ext uri="{FF2B5EF4-FFF2-40B4-BE49-F238E27FC236}">
+                <a16:creationId xmlns:a16="http://schemas.microsoft.com/office/drawing/2014/main" id="{A7B0F78E-058E-69D2-C1D9-D2F6FF5D427D}"/>
+              </a:ext>
+            </a:extLst>
+          </p:cNvPr>
+          <p:cNvSpPr>
+            <a:spLocks noGrp="1"/>
+          </p:cNvSpPr>
+          <p:nvPr>
+            <p:ph type="title"/>
+          </p:nvPr>
+        </p:nvSpPr>
+        <p:spPr>
+          <a:xfrm>
+            <a:off x="1156851" y="637762"/>
+            <a:ext cx="10483482" cy="900131"/>
+          </a:xfrm>
+        </p:spPr>
+        <p:txBody>
+          <a:bodyPr anchor="t">
+            <a:normAutofit fontScale="90000"/>
+          </a:bodyPr>
+          <a:lstStyle/>
+          <a:p>
+            <a:r>
+              <a:rPr lang="pt-BR" sz="4000" b="1" dirty="0">
+                <a:solidFill>
+                  <a:schemeClr val="bg1"/>
+                </a:solidFill>
+                <a:latin typeface="Comic Sans MS"/>
+              </a:rPr>
+              <a:t>Entre um Guitar Hero e cordas quebradas...</a:t>
+            </a:r>
+          </a:p>
+        </p:txBody>
+      </p:sp>
+      <p:sp>
+        <p:nvSpPr>
+          <p:cNvPr id="3" name="Espaço Reservado para Conteúdo 2">
+            <a:extLst>
+              <a:ext uri="{FF2B5EF4-FFF2-40B4-BE49-F238E27FC236}">
+                <a16:creationId xmlns:a16="http://schemas.microsoft.com/office/drawing/2014/main" id="{E5AA4486-453D-D450-4009-6F85E3FB6270}"/>
+              </a:ext>
+            </a:extLst>
+          </p:cNvPr>
+          <p:cNvSpPr>
+            <a:spLocks noGrp="1"/>
+          </p:cNvSpPr>
+          <p:nvPr>
+            <p:ph idx="1"/>
+          </p:nvPr>
+        </p:nvSpPr>
+        <p:spPr>
+          <a:xfrm>
+            <a:off x="1155548" y="2217343"/>
+            <a:ext cx="9880893" cy="3959619"/>
+          </a:xfrm>
+        </p:spPr>
+        <p:txBody>
+          <a:bodyPr vert="horz" lIns="91440" tIns="45720" rIns="91440" bIns="45720" rtlCol="0" anchor="t">
+            <a:normAutofit/>
+          </a:bodyPr>
+          <a:lstStyle/>
+          <a:p>
+            <a:pPr marL="0" indent="0">
+              <a:buNone/>
+            </a:pPr>
+            <a:endParaRPr lang="pt-BR" sz="1700" dirty="0"/>
+          </a:p>
+          <a:p>
+            <a:pPr marL="0" indent="0">
+              <a:buNone/>
+            </a:pPr>
+            <a:endParaRPr lang="pt-BR" sz="1700"/>
+          </a:p>
+          <a:p>
+            <a:pPr marL="0" indent="0">
+              <a:buNone/>
+            </a:pPr>
+            <a:endParaRPr lang="pt-BR" sz="1700"/>
+          </a:p>
+          <a:p>
+            <a:pPr marL="0" indent="0">
+              <a:buNone/>
+            </a:pPr>
+            <a:endParaRPr lang="pt-BR" sz="1700"/>
+          </a:p>
+        </p:txBody>
+      </p:sp>
+      <p:sp>
+        <p:nvSpPr>
+          <p:cNvPr id="5" name="CaixaDeTexto 4">
+            <a:extLst>
+              <a:ext uri="{FF2B5EF4-FFF2-40B4-BE49-F238E27FC236}">
+                <a16:creationId xmlns:a16="http://schemas.microsoft.com/office/drawing/2014/main" id="{7547F356-F4D4-89AE-1C29-78BCA8C326A8}"/>
+              </a:ext>
+            </a:extLst>
+          </p:cNvPr>
+          <p:cNvSpPr txBox="1"/>
+          <p:nvPr/>
+        </p:nvSpPr>
+        <p:spPr>
+          <a:xfrm>
+            <a:off x="111754" y="2168427"/>
+            <a:ext cx="6782843" cy="4062651"/>
+          </a:xfrm>
+          <a:prstGeom prst="rect">
+            <a:avLst/>
+          </a:prstGeom>
+          <a:noFill/>
+        </p:spPr>
+        <p:txBody>
+          <a:bodyPr rot="0" spcFirstLastPara="0" vertOverflow="overflow" horzOverflow="overflow" vert="horz" wrap="square" lIns="91440" tIns="45720" rIns="91440" bIns="45720" numCol="1" spcCol="0" rtlCol="0" fromWordArt="0" anchor="t" anchorCtr="0" forceAA="0" compatLnSpc="1">
+            <a:prstTxWarp prst="textNoShape">
+              <a:avLst/>
+            </a:prstTxWarp>
+            <a:spAutoFit/>
+          </a:bodyPr>
+          <a:lstStyle/>
+          <a:p>
+            <a:r>
+              <a:rPr lang="pt-BR" sz="2400" dirty="0">
+                <a:solidFill>
+                  <a:schemeClr val="bg1"/>
+                </a:solidFill>
+                <a:latin typeface="Berlin Sans FB"/>
+                <a:ea typeface="+mn-lt"/>
+                <a:cs typeface="+mn-lt"/>
+              </a:rPr>
+              <a:t>Sou profundamente grato a minha prima Michelly, que me emprestou o violão nesse meu início.</a:t>
+            </a:r>
+            <a:endParaRPr lang="pt-BR" sz="2400">
+              <a:solidFill>
+                <a:schemeClr val="bg1"/>
+              </a:solidFill>
+              <a:latin typeface="Aptos" panose="020B0004020202020204"/>
+              <a:ea typeface="+mn-lt"/>
+              <a:cs typeface="+mn-lt"/>
+            </a:endParaRPr>
+          </a:p>
+          <a:p>
+            <a:r>
+              <a:rPr lang="pt-BR" sz="2400" dirty="0">
+                <a:solidFill>
+                  <a:schemeClr val="bg1"/>
+                </a:solidFill>
+                <a:latin typeface="Berlin Sans FB"/>
+              </a:rPr>
+              <a:t>Meu primo Alex, que deixava eu usar a guitarra dele às vezes e me ensinava algumas músicas, tocamos juntos até hoje.</a:t>
+            </a:r>
+          </a:p>
+          <a:p>
+            <a:r>
+              <a:rPr lang="pt-BR" sz="2400" dirty="0">
+                <a:solidFill>
+                  <a:schemeClr val="bg1"/>
+                </a:solidFill>
+                <a:latin typeface="Berlin Sans FB"/>
+              </a:rPr>
+              <a:t>E ao meu amigo Davi, pois logo nesse meu começo, me emprestou um DVD que tinha algumas videoaulas e por coincidência, tinha algumas músicas que eu gostava muito, e assim pude trilhar essa caminhada.</a:t>
+            </a:r>
+          </a:p>
+          <a:p>
+            <a:endParaRPr lang="pt-BR" dirty="0">
+              <a:solidFill>
+                <a:schemeClr val="bg1"/>
+              </a:solidFill>
+              <a:latin typeface="Berlin Sans FB"/>
+              <a:cs typeface="Segoe UI"/>
+            </a:endParaRPr>
+          </a:p>
+        </p:txBody>
+      </p:sp>
+    </p:spTree>
+    <p:extLst>
+      <p:ext uri="{BB962C8B-B14F-4D97-AF65-F5344CB8AC3E}">
+        <p14:creationId xmlns:p14="http://schemas.microsoft.com/office/powerpoint/2010/main" val="1243601136"/>
+      </p:ext>
+    </p:extLst>
+  </p:cSld>
+  <p:clrMapOvr>
+    <a:masterClrMapping/>
+  </p:clrMapOvr>
+  <p:transition spd="slow">
+    <p:push dir="u"/>
+  </p:transition>
+</p:sld>
+</file>
+
+<file path=ppt/slides/slide6.xml><?xml version="1.0" encoding="utf-8"?>
+<p:sld xmlns:a="http://schemas.openxmlformats.org/drawingml/2006/main" xmlns:r="http://schemas.openxmlformats.org/officeDocument/2006/relationships" xmlns:p="http://schemas.openxmlformats.org/presentationml/2006/main">
+  <p:cSld>
+    <p:bg>
+      <p:bgPr>
         <a:solidFill>
           <a:schemeClr val="bg1"/>
         </a:solidFill>
@@ -11754,7 +12432,7 @@
 </p:sld>
 </file>
 
-<file path=ppt/slides/slide6.xml><?xml version="1.0" encoding="utf-8"?>
+<file path=ppt/slides/slide7.xml><?xml version="1.0" encoding="utf-8"?>
 <p:sld xmlns:a="http://schemas.openxmlformats.org/drawingml/2006/main" xmlns:r="http://schemas.openxmlformats.org/officeDocument/2006/relationships" xmlns:p="http://schemas.openxmlformats.org/presentationml/2006/main">
   <p:cSld>
     <p:bg>
@@ -11900,7 +12578,7 @@
 </p:sld>
 </file>
 
-<file path=ppt/slides/slide7.xml><?xml version="1.0" encoding="utf-8"?>
+<file path=ppt/slides/slide8.xml><?xml version="1.0" encoding="utf-8"?>
 <p:sld xmlns:a="http://schemas.openxmlformats.org/drawingml/2006/main" xmlns:r="http://schemas.openxmlformats.org/officeDocument/2006/relationships" xmlns:p="http://schemas.openxmlformats.org/presentationml/2006/main">
   <p:cSld>
     <p:bg>
@@ -12046,122 +12724,6 @@
 </p:sld>
 </file>
 
-<file path=ppt/slides/slide8.xml><?xml version="1.0" encoding="utf-8"?>
-<p:sld xmlns:a="http://schemas.openxmlformats.org/drawingml/2006/main" xmlns:r="http://schemas.openxmlformats.org/officeDocument/2006/relationships" xmlns:p="http://schemas.openxmlformats.org/presentationml/2006/main">
-  <p:cSld>
-    <p:bg>
-      <p:bgPr>
-        <a:blipFill>
-          <a:blip r:embed="rId2"/>
-          <a:stretch>
-            <a:fillRect t="-9000" b="-9000"/>
-          </a:stretch>
-        </a:blipFill>
-        <a:effectLst/>
-      </p:bgPr>
-    </p:bg>
-    <p:spTree>
-      <p:nvGrpSpPr>
-        <p:cNvPr id="1" name=""/>
-        <p:cNvGrpSpPr/>
-        <p:nvPr/>
-      </p:nvGrpSpPr>
-      <p:grpSpPr>
-        <a:xfrm>
-          <a:off x="0" y="0"/>
-          <a:ext cx="0" cy="0"/>
-          <a:chOff x="0" y="0"/>
-          <a:chExt cx="0" cy="0"/>
-        </a:xfrm>
-      </p:grpSpPr>
-      <p:sp>
-        <p:nvSpPr>
-          <p:cNvPr id="18" name="Título 17">
-            <a:extLst>
-              <a:ext uri="{FF2B5EF4-FFF2-40B4-BE49-F238E27FC236}">
-                <a16:creationId xmlns:a16="http://schemas.microsoft.com/office/drawing/2014/main" id="{9264A540-32CC-15FC-A1C7-6FDA6F1ADB00}"/>
-              </a:ext>
-            </a:extLst>
-          </p:cNvPr>
-          <p:cNvSpPr>
-            <a:spLocks noGrp="1"/>
-          </p:cNvSpPr>
-          <p:nvPr>
-            <p:ph type="title"/>
-          </p:nvPr>
-        </p:nvSpPr>
-        <p:spPr>
-          <a:xfrm>
-            <a:off x="838200" y="166796"/>
-            <a:ext cx="10515600" cy="1325563"/>
-          </a:xfrm>
-        </p:spPr>
-        <p:txBody>
-          <a:bodyPr/>
-          <a:lstStyle/>
-          <a:p>
-            <a:pPr algn="ctr"/>
-            <a:r>
-              <a:rPr lang="pt-BR" sz="3600" b="1" dirty="0">
-                <a:solidFill>
-                  <a:srgbClr val="16D9CC"/>
-                </a:solidFill>
-                <a:latin typeface="Comic Sans MS"/>
-              </a:rPr>
-              <a:t>Backlog</a:t>
-            </a:r>
-            <a:endParaRPr lang="pt-BR" sz="3600" b="1">
-              <a:latin typeface="Comic Sans MS"/>
-            </a:endParaRPr>
-          </a:p>
-        </p:txBody>
-      </p:sp>
-      <p:pic>
-        <p:nvPicPr>
-          <p:cNvPr id="4" name="Imagem 3" descr="Tabela&#10;&#10;Descrição gerada automaticamente">
-            <a:extLst>
-              <a:ext uri="{FF2B5EF4-FFF2-40B4-BE49-F238E27FC236}">
-                <a16:creationId xmlns:a16="http://schemas.microsoft.com/office/drawing/2014/main" id="{021A7FF8-C911-B289-71EA-292ABE9B698C}"/>
-              </a:ext>
-            </a:extLst>
-          </p:cNvPr>
-          <p:cNvPicPr>
-            <a:picLocks noChangeAspect="1"/>
-          </p:cNvPicPr>
-          <p:nvPr/>
-        </p:nvPicPr>
-        <p:blipFill>
-          <a:blip r:embed="rId3"/>
-          <a:stretch>
-            <a:fillRect/>
-          </a:stretch>
-        </p:blipFill>
-        <p:spPr>
-          <a:xfrm>
-            <a:off x="2638350" y="1392477"/>
-            <a:ext cx="6925740" cy="4636718"/>
-          </a:xfrm>
-          <a:prstGeom prst="rect">
-            <a:avLst/>
-          </a:prstGeom>
-        </p:spPr>
-      </p:pic>
-    </p:spTree>
-    <p:extLst>
-      <p:ext uri="{BB962C8B-B14F-4D97-AF65-F5344CB8AC3E}">
-        <p14:creationId xmlns:p14="http://schemas.microsoft.com/office/powerpoint/2010/main" val="2301548004"/>
-      </p:ext>
-    </p:extLst>
-  </p:cSld>
-  <p:clrMapOvr>
-    <a:masterClrMapping/>
-  </p:clrMapOvr>
-  <p:transition spd="slow">
-    <p:push dir="u"/>
-  </p:transition>
-</p:sld>
-</file>
-
 <file path=ppt/slides/slide9.xml><?xml version="1.0" encoding="utf-8"?>
 <p:sld xmlns:a="http://schemas.openxmlformats.org/drawingml/2006/main" xmlns:r="http://schemas.openxmlformats.org/officeDocument/2006/relationships" xmlns:p="http://schemas.openxmlformats.org/presentationml/2006/main">
   <p:cSld>
@@ -12224,7 +12786,7 @@
                 </a:solidFill>
                 <a:latin typeface="Comic Sans MS"/>
               </a:rPr>
-              <a:t>Tabelas MySQL e Modelagem</a:t>
+              <a:t>Backlog</a:t>
             </a:r>
             <a:endParaRPr lang="pt-BR" sz="3600" b="1">
               <a:latin typeface="Comic Sans MS"/>
@@ -12234,10 +12796,10 @@
       </p:sp>
       <p:pic>
         <p:nvPicPr>
-          <p:cNvPr id="2" name="Imagem 1" descr="Texto, Carta&#10;&#10;Descrição gerada automaticamente">
+          <p:cNvPr id="4" name="Imagem 3" descr="Tabela&#10;&#10;Descrição gerada automaticamente">
             <a:extLst>
               <a:ext uri="{FF2B5EF4-FFF2-40B4-BE49-F238E27FC236}">
-                <a16:creationId xmlns:a16="http://schemas.microsoft.com/office/drawing/2014/main" id="{A38E58D7-211D-D166-7F03-7FCC003E0D58}"/>
+                <a16:creationId xmlns:a16="http://schemas.microsoft.com/office/drawing/2014/main" id="{021A7FF8-C911-B289-71EA-292ABE9B698C}"/>
               </a:ext>
             </a:extLst>
           </p:cNvPr>
@@ -12254,128 +12816,8 @@
         </p:blipFill>
         <p:spPr>
           <a:xfrm>
-            <a:off x="5031288" y="1488849"/>
-            <a:ext cx="6096000" cy="2001398"/>
-          </a:xfrm>
-          <a:prstGeom prst="rect">
-            <a:avLst/>
-          </a:prstGeom>
-        </p:spPr>
-      </p:pic>
-      <p:pic>
-        <p:nvPicPr>
-          <p:cNvPr id="3" name="Imagem 2" descr="Diagrama&#10;&#10;Descrição gerada automaticamente">
-            <a:extLst>
-              <a:ext uri="{FF2B5EF4-FFF2-40B4-BE49-F238E27FC236}">
-                <a16:creationId xmlns:a16="http://schemas.microsoft.com/office/drawing/2014/main" id="{4A8993B8-317C-D2FD-69CF-A11A7152BCCB}"/>
-              </a:ext>
-            </a:extLst>
-          </p:cNvPr>
-          <p:cNvPicPr>
-            <a:picLocks noChangeAspect="1"/>
-          </p:cNvPicPr>
-          <p:nvPr/>
-        </p:nvPicPr>
-        <p:blipFill>
-          <a:blip r:embed="rId4"/>
-          <a:stretch>
-            <a:fillRect/>
-          </a:stretch>
-        </p:blipFill>
-        <p:spPr>
-          <a:xfrm>
-            <a:off x="5169596" y="3683513"/>
-            <a:ext cx="6931068" cy="1998361"/>
-          </a:xfrm>
-          <a:prstGeom prst="rect">
-            <a:avLst/>
-          </a:prstGeom>
-        </p:spPr>
-      </p:pic>
-      <p:pic>
-        <p:nvPicPr>
-          <p:cNvPr id="5" name="Imagem 4">
-            <a:extLst>
-              <a:ext uri="{FF2B5EF4-FFF2-40B4-BE49-F238E27FC236}">
-                <a16:creationId xmlns:a16="http://schemas.microsoft.com/office/drawing/2014/main" id="{E2A0B100-83EC-6567-04FB-28A9A307CC65}"/>
-              </a:ext>
-            </a:extLst>
-          </p:cNvPr>
-          <p:cNvPicPr>
-            <a:picLocks noChangeAspect="1"/>
-          </p:cNvPicPr>
-          <p:nvPr/>
-        </p:nvPicPr>
-        <p:blipFill>
-          <a:blip r:embed="rId5"/>
-          <a:stretch>
-            <a:fillRect/>
-          </a:stretch>
-        </p:blipFill>
-        <p:spPr>
-          <a:xfrm>
-            <a:off x="1101246" y="3195520"/>
-            <a:ext cx="3524250" cy="838200"/>
-          </a:xfrm>
-          <a:prstGeom prst="rect">
-            <a:avLst/>
-          </a:prstGeom>
-        </p:spPr>
-      </p:pic>
-      <p:pic>
-        <p:nvPicPr>
-          <p:cNvPr id="6" name="Imagem 5" descr="Texto&#10;&#10;Descrição gerada automaticamente">
-            <a:extLst>
-              <a:ext uri="{FF2B5EF4-FFF2-40B4-BE49-F238E27FC236}">
-                <a16:creationId xmlns:a16="http://schemas.microsoft.com/office/drawing/2014/main" id="{BC0461C6-C0D5-937E-32FA-E1D61AA8D719}"/>
-              </a:ext>
-            </a:extLst>
-          </p:cNvPr>
-          <p:cNvPicPr>
-            <a:picLocks noChangeAspect="1"/>
-          </p:cNvPicPr>
-          <p:nvPr/>
-        </p:nvPicPr>
-        <p:blipFill>
-          <a:blip r:embed="rId6"/>
-          <a:stretch>
-            <a:fillRect/>
-          </a:stretch>
-        </p:blipFill>
-        <p:spPr>
-          <a:xfrm>
-            <a:off x="446240" y="4419417"/>
-            <a:ext cx="4581525" cy="1495425"/>
-          </a:xfrm>
-          <a:prstGeom prst="rect">
-            <a:avLst/>
-          </a:prstGeom>
-        </p:spPr>
-      </p:pic>
-      <p:pic>
-        <p:nvPicPr>
-          <p:cNvPr id="7" name="Imagem 6" descr="Interface gráfica do usuário, Texto&#10;&#10;Descrição gerada automaticamente">
-            <a:extLst>
-              <a:ext uri="{FF2B5EF4-FFF2-40B4-BE49-F238E27FC236}">
-                <a16:creationId xmlns:a16="http://schemas.microsoft.com/office/drawing/2014/main" id="{A156C7C0-28D8-74FC-0383-D2114FCC58CC}"/>
-              </a:ext>
-            </a:extLst>
-          </p:cNvPr>
-          <p:cNvPicPr>
-            <a:picLocks noChangeAspect="1"/>
-          </p:cNvPicPr>
-          <p:nvPr/>
-        </p:nvPicPr>
-        <p:blipFill>
-          <a:blip r:embed="rId7"/>
-          <a:stretch>
-            <a:fillRect/>
-          </a:stretch>
-        </p:blipFill>
-        <p:spPr>
-          <a:xfrm>
-            <a:off x="448849" y="1415780"/>
-            <a:ext cx="3829050" cy="1400175"/>
+            <a:off x="2638350" y="1392477"/>
+            <a:ext cx="6925740" cy="4636718"/>
           </a:xfrm>
           <a:prstGeom prst="rect">
             <a:avLst/>
@@ -12385,7 +12827,7 @@
     </p:spTree>
     <p:extLst>
       <p:ext uri="{BB962C8B-B14F-4D97-AF65-F5344CB8AC3E}">
-        <p14:creationId xmlns:p14="http://schemas.microsoft.com/office/powerpoint/2010/main" val="3797814157"/>
+        <p14:creationId xmlns:p14="http://schemas.microsoft.com/office/powerpoint/2010/main" val="2301548004"/>
       </p:ext>
     </p:extLst>
   </p:cSld>
